--- a/AssemblyDone/OnlineP.pptx
+++ b/AssemblyDone/OnlineP.pptx
@@ -301,7 +301,7 @@
           <a:p>
             <a:fld id="{CFC92554-11C5-447C-89F9-18521A314F93}" type="datetimeFigureOut">
               <a:rPr lang="he-IL" smtClean="0"/>
-              <a:t>י"ב/סיון/תשע"ה</a:t>
+              <a:t>י"ח/סיון/תשע"ה</a:t>
             </a:fld>
             <a:endParaRPr lang="he-IL"/>
           </a:p>
@@ -466,7 +466,7 @@
           <a:p>
             <a:fld id="{CFC92554-11C5-447C-89F9-18521A314F93}" type="datetimeFigureOut">
               <a:rPr lang="he-IL" smtClean="0"/>
-              <a:t>י"ב/סיון/תשע"ה</a:t>
+              <a:t>י"ח/סיון/תשע"ה</a:t>
             </a:fld>
             <a:endParaRPr lang="he-IL"/>
           </a:p>
@@ -641,7 +641,7 @@
           <a:p>
             <a:fld id="{CFC92554-11C5-447C-89F9-18521A314F93}" type="datetimeFigureOut">
               <a:rPr lang="he-IL" smtClean="0"/>
-              <a:t>י"ב/סיון/תשע"ה</a:t>
+              <a:t>י"ח/סיון/תשע"ה</a:t>
             </a:fld>
             <a:endParaRPr lang="he-IL"/>
           </a:p>
@@ -806,7 +806,7 @@
           <a:p>
             <a:fld id="{CFC92554-11C5-447C-89F9-18521A314F93}" type="datetimeFigureOut">
               <a:rPr lang="he-IL" smtClean="0"/>
-              <a:t>י"ב/סיון/תשע"ה</a:t>
+              <a:t>י"ח/סיון/תשע"ה</a:t>
             </a:fld>
             <a:endParaRPr lang="he-IL"/>
           </a:p>
@@ -1047,7 +1047,7 @@
           <a:p>
             <a:fld id="{CFC92554-11C5-447C-89F9-18521A314F93}" type="datetimeFigureOut">
               <a:rPr lang="he-IL" smtClean="0"/>
-              <a:t>י"ב/סיון/תשע"ה</a:t>
+              <a:t>י"ח/סיון/תשע"ה</a:t>
             </a:fld>
             <a:endParaRPr lang="he-IL"/>
           </a:p>
@@ -1330,7 +1330,7 @@
           <a:p>
             <a:fld id="{CFC92554-11C5-447C-89F9-18521A314F93}" type="datetimeFigureOut">
               <a:rPr lang="he-IL" smtClean="0"/>
-              <a:t>י"ב/סיון/תשע"ה</a:t>
+              <a:t>י"ח/סיון/תשע"ה</a:t>
             </a:fld>
             <a:endParaRPr lang="he-IL"/>
           </a:p>
@@ -1759,7 +1759,7 @@
           <a:p>
             <a:fld id="{CFC92554-11C5-447C-89F9-18521A314F93}" type="datetimeFigureOut">
               <a:rPr lang="he-IL" smtClean="0"/>
-              <a:t>י"ב/סיון/תשע"ה</a:t>
+              <a:t>י"ח/סיון/תשע"ה</a:t>
             </a:fld>
             <a:endParaRPr lang="he-IL"/>
           </a:p>
@@ -1872,7 +1872,7 @@
           <a:p>
             <a:fld id="{CFC92554-11C5-447C-89F9-18521A314F93}" type="datetimeFigureOut">
               <a:rPr lang="he-IL" smtClean="0"/>
-              <a:t>י"ב/סיון/תשע"ה</a:t>
+              <a:t>י"ח/סיון/תשע"ה</a:t>
             </a:fld>
             <a:endParaRPr lang="he-IL"/>
           </a:p>
@@ -1962,7 +1962,7 @@
           <a:p>
             <a:fld id="{CFC92554-11C5-447C-89F9-18521A314F93}" type="datetimeFigureOut">
               <a:rPr lang="he-IL" smtClean="0"/>
-              <a:t>י"ב/סיון/תשע"ה</a:t>
+              <a:t>י"ח/סיון/תשע"ה</a:t>
             </a:fld>
             <a:endParaRPr lang="he-IL"/>
           </a:p>
@@ -2151,7 +2151,7 @@
           <a:p>
             <a:fld id="{CFC92554-11C5-447C-89F9-18521A314F93}" type="datetimeFigureOut">
               <a:rPr lang="he-IL" smtClean="0"/>
-              <a:t>י"ב/סיון/תשע"ה</a:t>
+              <a:t>י"ח/סיון/תשע"ה</a:t>
             </a:fld>
             <a:endParaRPr lang="he-IL"/>
           </a:p>
@@ -2469,7 +2469,7 @@
           <a:p>
             <a:fld id="{CFC92554-11C5-447C-89F9-18521A314F93}" type="datetimeFigureOut">
               <a:rPr lang="he-IL" smtClean="0"/>
-              <a:t>י"ב/סיון/תשע"ה</a:t>
+              <a:t>י"ח/סיון/תשע"ה</a:t>
             </a:fld>
             <a:endParaRPr lang="he-IL"/>
           </a:p>
@@ -2848,7 +2848,7 @@
           <a:p>
             <a:fld id="{CFC92554-11C5-447C-89F9-18521A314F93}" type="datetimeFigureOut">
               <a:rPr lang="he-IL" smtClean="0"/>
-              <a:t>י"ב/סיון/תשע"ה</a:t>
+              <a:t>י"ח/סיון/תשע"ה</a:t>
             </a:fld>
             <a:endParaRPr lang="he-IL"/>
           </a:p>
@@ -3211,25 +3211,6 @@
       </p:sp>
       <p:sp>
         <p:nvSpPr>
-          <p:cNvPr id="3" name="Subtitle 2"/>
-          <p:cNvSpPr>
-            <a:spLocks noGrp="1"/>
-          </p:cNvSpPr>
-          <p:nvPr>
-            <p:ph type="subTitle" idx="1"/>
-          </p:nvPr>
-        </p:nvSpPr>
-        <p:spPr/>
-        <p:txBody>
-          <a:bodyPr/>
-          <a:lstStyle/>
-          <a:p>
-            <a:endParaRPr lang="he-IL"/>
-          </a:p>
-        </p:txBody>
-      </p:sp>
-      <p:sp>
-        <p:nvSpPr>
           <p:cNvPr id="4" name="TextBox 3"/>
           <p:cNvSpPr txBox="1"/>
           <p:nvPr/>
@@ -3276,7 +3257,7 @@
         <p:spPr>
           <a:xfrm>
             <a:off x="683568" y="1386056"/>
-            <a:ext cx="3672408" cy="5078313"/>
+            <a:ext cx="3672408" cy="4524315"/>
           </a:xfrm>
           <a:prstGeom prst="rect">
             <a:avLst/>
@@ -3291,32 +3272,72 @@
           <a:p>
             <a:pPr algn="l" rtl="0"/>
             <a:r>
-              <a:rPr lang="en-US" b="1" dirty="0" smtClean="0"/>
-              <a:t>Every game needs some competition against real live human beings. I’m proud to say that the people who paly this game can also enjoy this game with their friends online.</a:t>
+              <a:rPr lang="en-US" sz="1600" b="1" dirty="0" smtClean="0"/>
+              <a:t>Every game needs some </a:t>
+            </a:r>
+            <a:r>
+              <a:rPr lang="en-US" sz="1600" b="1" dirty="0" smtClean="0"/>
+              <a:t>competition and cooperation </a:t>
+            </a:r>
+            <a:r>
+              <a:rPr lang="en-US" sz="1600" b="1" dirty="0" smtClean="0"/>
+              <a:t>against real live human beings. I’m proud to say that the people who </a:t>
+            </a:r>
+            <a:r>
+              <a:rPr lang="en-US" sz="1600" b="1" dirty="0" smtClean="0"/>
+              <a:t>play </a:t>
+            </a:r>
+            <a:r>
+              <a:rPr lang="en-US" sz="1600" b="1" dirty="0" smtClean="0"/>
+              <a:t>this game can also enjoy this game with their friends online.</a:t>
             </a:r>
           </a:p>
           <a:p>
             <a:pPr algn="l" rtl="0"/>
-            <a:endParaRPr lang="en-US" b="1" dirty="0" smtClean="0"/>
+            <a:endParaRPr lang="en-US" sz="1600" b="1" dirty="0" smtClean="0"/>
           </a:p>
           <a:p>
             <a:pPr algn="l" rtl="0"/>
             <a:r>
-              <a:rPr lang="en-US" b="1" dirty="0" smtClean="0"/>
-              <a:t>Using sockets in the Win32 API, and a server built in python, currently running on my computer, this game can connect you with your friends as far apart as you are.</a:t>
+              <a:rPr lang="en-US" sz="1600" b="1" dirty="0" smtClean="0"/>
+              <a:t>Using </a:t>
+            </a:r>
+            <a:r>
+              <a:rPr lang="en-US" sz="1600" b="1" dirty="0" smtClean="0"/>
+              <a:t>Winsock, </a:t>
+            </a:r>
+            <a:r>
+              <a:rPr lang="en-US" sz="1600" b="1" dirty="0" smtClean="0"/>
+              <a:t>and a server built in python, currently running on my computer, this game can connect you with your friends as far apart as you are.</a:t>
             </a:r>
           </a:p>
           <a:p>
             <a:pPr algn="l" rtl="0"/>
-            <a:endParaRPr lang="en-US" b="1" dirty="0" smtClean="0"/>
+            <a:endParaRPr lang="en-US" sz="1600" b="1" dirty="0" smtClean="0"/>
           </a:p>
           <a:p>
             <a:pPr algn="l" rtl="0"/>
             <a:r>
-              <a:rPr lang="en-US" b="1" dirty="0" smtClean="0"/>
-              <a:t>The python server involves the process of hole punching. The server tells each player the other player’s IP address and port used to contact the server, thus assuring that there is a hole in the NAT cloud at that port.</a:t>
-            </a:r>
-            <a:endParaRPr lang="en-US" b="1" dirty="0"/>
+              <a:rPr lang="en-US" sz="1600" b="1" dirty="0" smtClean="0"/>
+              <a:t>The python server involves the process of hole </a:t>
+            </a:r>
+            <a:r>
+              <a:rPr lang="en-US" sz="1600" b="1" dirty="0" smtClean="0"/>
+              <a:t>punching to produce a UDP peer to peer connection. </a:t>
+            </a:r>
+            <a:r>
+              <a:rPr lang="en-US" sz="1600" b="1" dirty="0" smtClean="0"/>
+              <a:t>The server tells each player the other player’s IP address and port used to contact the server, thus assuring that there is a hole in the NAT </a:t>
+            </a:r>
+            <a:r>
+              <a:rPr lang="en-US" sz="1600" b="1" dirty="0" smtClean="0"/>
+              <a:t>at </a:t>
+            </a:r>
+            <a:r>
+              <a:rPr lang="en-US" sz="1600" b="1" dirty="0" smtClean="0"/>
+              <a:t>that port.</a:t>
+            </a:r>
+            <a:endParaRPr lang="en-US" sz="1600" b="1" dirty="0"/>
           </a:p>
         </p:txBody>
       </p:sp>
@@ -3329,7 +3350,7 @@
         <p:spPr>
           <a:xfrm>
             <a:off x="4379709" y="1386056"/>
-            <a:ext cx="3539751" cy="3416320"/>
+            <a:ext cx="3539751" cy="2554545"/>
           </a:xfrm>
           <a:prstGeom prst="rect">
             <a:avLst/>
@@ -3344,21 +3365,26 @@
           <a:p>
             <a:pPr algn="l" rtl="0"/>
             <a:r>
-              <a:rPr lang="en-US" b="1" dirty="0" smtClean="0"/>
-              <a:t>Going through this process allows both players to send information to one another directly</a:t>
-            </a:r>
+              <a:rPr lang="en-US" sz="1600" b="1" dirty="0" smtClean="0"/>
+              <a:t>Going through this process allows both players to send information to one another </a:t>
+            </a:r>
+            <a:r>
+              <a:rPr lang="en-US" sz="1600" b="1" dirty="0" smtClean="0"/>
+              <a:t>directly.</a:t>
+            </a:r>
+            <a:endParaRPr lang="en-US" sz="1600" b="1" dirty="0" smtClean="0"/>
           </a:p>
           <a:p>
             <a:pPr algn="l" rtl="0"/>
-            <a:endParaRPr lang="en-US" b="1" dirty="0" smtClean="0"/>
+            <a:endParaRPr lang="en-US" sz="1600" b="1" dirty="0" smtClean="0"/>
           </a:p>
           <a:p>
             <a:pPr algn="l" rtl="0"/>
             <a:r>
-              <a:rPr lang="en-US" b="1" dirty="0" smtClean="0"/>
+              <a:rPr lang="en-US" sz="1600" b="1" dirty="0" smtClean="0"/>
               <a:t>The online version of this game involves two players fighting to their survival in a map, both players have the same tools to survive and have to work together to do so as the game becomes significantly harder in two player mode.</a:t>
             </a:r>
-            <a:endParaRPr lang="he-IL" b="1" dirty="0"/>
+            <a:endParaRPr lang="he-IL" sz="1600" b="1" dirty="0"/>
           </a:p>
         </p:txBody>
       </p:sp>
